--- a/Check.pptx
+++ b/Check.pptx
@@ -106,6 +106,11 @@
       </a:defRPr>
     </a:lvl9pPr>
   </p:defaultTextStyle>
+  <p:extLst>
+    <p:ext uri="{EFAFB233-063F-42B5-8137-9DF3F51BA10A}">
+      <p15:sldGuideLst xmlns:p15="http://schemas.microsoft.com/office/powerpoint/2012/main"/>
+    </p:ext>
+  </p:extLst>
 </p:presentation>
 </file>
 
@@ -3486,37 +3491,50 @@
             <p:ph type="title"/>
           </p:nvPr>
         </p:nvSpPr>
+        <p:spPr>
+          <a:xfrm>
+            <a:off x="838200" y="109943"/>
+            <a:ext cx="10515600" cy="1325563"/>
+          </a:xfrm>
+        </p:spPr>
+        <p:txBody>
+          <a:bodyPr/>
+          <a:lstStyle/>
+          <a:p>
+            <a:pPr algn="ctr"/>
+            <a:r>
+              <a:rPr lang="fr-FR" dirty="0">
+                <a:solidFill>
+                  <a:schemeClr val="bg1"/>
+                </a:solidFill>
+              </a:rPr>
+              <a:t>Déplacements autonomes</a:t>
+            </a:r>
+          </a:p>
+        </p:txBody>
+      </p:sp>
+      <p:sp>
+        <p:nvSpPr>
+          <p:cNvPr id="3" name="Espace réservé du contenu 2">
+            <a:extLst>
+              <a:ext uri="{FF2B5EF4-FFF2-40B4-BE49-F238E27FC236}">
+                <a16:creationId xmlns:a16="http://schemas.microsoft.com/office/drawing/2014/main" id="{609A57C3-290B-4350-8252-57A261511BBA}"/>
+              </a:ext>
+            </a:extLst>
+          </p:cNvPr>
+          <p:cNvSpPr>
+            <a:spLocks noGrp="1"/>
+          </p:cNvSpPr>
+          <p:nvPr>
+            <p:ph idx="1"/>
+          </p:nvPr>
+        </p:nvSpPr>
         <p:spPr/>
         <p:txBody>
           <a:bodyPr/>
           <a:lstStyle/>
           <a:p>
             <a:endParaRPr lang="fr-FR" dirty="0"/>
-          </a:p>
-        </p:txBody>
-      </p:sp>
-      <p:sp>
-        <p:nvSpPr>
-          <p:cNvPr id="3" name="Espace réservé du contenu 2">
-            <a:extLst>
-              <a:ext uri="{FF2B5EF4-FFF2-40B4-BE49-F238E27FC236}">
-                <a16:creationId xmlns:a16="http://schemas.microsoft.com/office/drawing/2014/main" id="{609A57C3-290B-4350-8252-57A261511BBA}"/>
-              </a:ext>
-            </a:extLst>
-          </p:cNvPr>
-          <p:cNvSpPr>
-            <a:spLocks noGrp="1"/>
-          </p:cNvSpPr>
-          <p:nvPr>
-            <p:ph idx="1"/>
-          </p:nvPr>
-        </p:nvSpPr>
-        <p:spPr/>
-        <p:txBody>
-          <a:bodyPr/>
-          <a:lstStyle/>
-          <a:p>
-            <a:endParaRPr lang="fr-FR"/>
           </a:p>
         </p:txBody>
       </p:sp>

--- a/Check.pptx
+++ b/Check.pptx
@@ -8,6 +8,8 @@
     <p:sldId id="256" r:id="rId2"/>
     <p:sldId id="257" r:id="rId3"/>
     <p:sldId id="258" r:id="rId4"/>
+    <p:sldId id="259" r:id="rId5"/>
+    <p:sldId id="260" r:id="rId6"/>
   </p:sldIdLst>
   <p:sldSz cx="12192000" cy="6858000"/>
   <p:notesSz cx="6858000" cy="9144000"/>
@@ -331,6 +333,18 @@
   <p:clrMapOvr>
     <a:masterClrMapping/>
   </p:clrMapOvr>
+  <mc:AlternateContent xmlns:mc="http://schemas.openxmlformats.org/markup-compatibility/2006" xmlns:p14="http://schemas.microsoft.com/office/powerpoint/2010/main">
+    <mc:Choice Requires="p14">
+      <p:transition spd="med" p14:dur="700">
+        <p:fade/>
+      </p:transition>
+    </mc:Choice>
+    <mc:Fallback xmlns="">
+      <p:transition spd="med">
+        <p:fade/>
+      </p:transition>
+    </mc:Fallback>
+  </mc:AlternateContent>
 </p:sldLayout>
 </file>
 
@@ -529,6 +543,18 @@
   <p:clrMapOvr>
     <a:masterClrMapping/>
   </p:clrMapOvr>
+  <mc:AlternateContent xmlns:mc="http://schemas.openxmlformats.org/markup-compatibility/2006" xmlns:p14="http://schemas.microsoft.com/office/powerpoint/2010/main">
+    <mc:Choice Requires="p14">
+      <p:transition spd="med" p14:dur="700">
+        <p:fade/>
+      </p:transition>
+    </mc:Choice>
+    <mc:Fallback xmlns="">
+      <p:transition spd="med">
+        <p:fade/>
+      </p:transition>
+    </mc:Fallback>
+  </mc:AlternateContent>
 </p:sldLayout>
 </file>
 
@@ -737,6 +763,18 @@
   <p:clrMapOvr>
     <a:masterClrMapping/>
   </p:clrMapOvr>
+  <mc:AlternateContent xmlns:mc="http://schemas.openxmlformats.org/markup-compatibility/2006" xmlns:p14="http://schemas.microsoft.com/office/powerpoint/2010/main">
+    <mc:Choice Requires="p14">
+      <p:transition spd="med" p14:dur="700">
+        <p:fade/>
+      </p:transition>
+    </mc:Choice>
+    <mc:Fallback xmlns="">
+      <p:transition spd="med">
+        <p:fade/>
+      </p:transition>
+    </mc:Fallback>
+  </mc:AlternateContent>
 </p:sldLayout>
 </file>
 
@@ -935,6 +973,18 @@
   <p:clrMapOvr>
     <a:masterClrMapping/>
   </p:clrMapOvr>
+  <mc:AlternateContent xmlns:mc="http://schemas.openxmlformats.org/markup-compatibility/2006" xmlns:p14="http://schemas.microsoft.com/office/powerpoint/2010/main">
+    <mc:Choice Requires="p14">
+      <p:transition spd="med" p14:dur="700">
+        <p:fade/>
+      </p:transition>
+    </mc:Choice>
+    <mc:Fallback xmlns="">
+      <p:transition spd="med">
+        <p:fade/>
+      </p:transition>
+    </mc:Fallback>
+  </mc:AlternateContent>
 </p:sldLayout>
 </file>
 
@@ -1210,6 +1260,18 @@
   <p:clrMapOvr>
     <a:masterClrMapping/>
   </p:clrMapOvr>
+  <mc:AlternateContent xmlns:mc="http://schemas.openxmlformats.org/markup-compatibility/2006" xmlns:p14="http://schemas.microsoft.com/office/powerpoint/2010/main">
+    <mc:Choice Requires="p14">
+      <p:transition spd="med" p14:dur="700">
+        <p:fade/>
+      </p:transition>
+    </mc:Choice>
+    <mc:Fallback xmlns="">
+      <p:transition spd="med">
+        <p:fade/>
+      </p:transition>
+    </mc:Fallback>
+  </mc:AlternateContent>
 </p:sldLayout>
 </file>
 
@@ -1475,6 +1537,18 @@
   <p:clrMapOvr>
     <a:masterClrMapping/>
   </p:clrMapOvr>
+  <mc:AlternateContent xmlns:mc="http://schemas.openxmlformats.org/markup-compatibility/2006" xmlns:p14="http://schemas.microsoft.com/office/powerpoint/2010/main">
+    <mc:Choice Requires="p14">
+      <p:transition spd="med" p14:dur="700">
+        <p:fade/>
+      </p:transition>
+    </mc:Choice>
+    <mc:Fallback xmlns="">
+      <p:transition spd="med">
+        <p:fade/>
+      </p:transition>
+    </mc:Fallback>
+  </mc:AlternateContent>
 </p:sldLayout>
 </file>
 
@@ -1887,6 +1961,18 @@
   <p:clrMapOvr>
     <a:masterClrMapping/>
   </p:clrMapOvr>
+  <mc:AlternateContent xmlns:mc="http://schemas.openxmlformats.org/markup-compatibility/2006" xmlns:p14="http://schemas.microsoft.com/office/powerpoint/2010/main">
+    <mc:Choice Requires="p14">
+      <p:transition spd="med" p14:dur="700">
+        <p:fade/>
+      </p:transition>
+    </mc:Choice>
+    <mc:Fallback xmlns="">
+      <p:transition spd="med">
+        <p:fade/>
+      </p:transition>
+    </mc:Fallback>
+  </mc:AlternateContent>
 </p:sldLayout>
 </file>
 
@@ -2028,6 +2114,18 @@
   <p:clrMapOvr>
     <a:masterClrMapping/>
   </p:clrMapOvr>
+  <mc:AlternateContent xmlns:mc="http://schemas.openxmlformats.org/markup-compatibility/2006" xmlns:p14="http://schemas.microsoft.com/office/powerpoint/2010/main">
+    <mc:Choice Requires="p14">
+      <p:transition spd="med" p14:dur="700">
+        <p:fade/>
+      </p:transition>
+    </mc:Choice>
+    <mc:Fallback xmlns="">
+      <p:transition spd="med">
+        <p:fade/>
+      </p:transition>
+    </mc:Fallback>
+  </mc:AlternateContent>
 </p:sldLayout>
 </file>
 
@@ -2141,6 +2239,18 @@
   <p:clrMapOvr>
     <a:masterClrMapping/>
   </p:clrMapOvr>
+  <mc:AlternateContent xmlns:mc="http://schemas.openxmlformats.org/markup-compatibility/2006" xmlns:p14="http://schemas.microsoft.com/office/powerpoint/2010/main">
+    <mc:Choice Requires="p14">
+      <p:transition spd="med" p14:dur="700">
+        <p:fade/>
+      </p:transition>
+    </mc:Choice>
+    <mc:Fallback xmlns="">
+      <p:transition spd="med">
+        <p:fade/>
+      </p:transition>
+    </mc:Fallback>
+  </mc:AlternateContent>
 </p:sldLayout>
 </file>
 
@@ -2452,6 +2562,18 @@
   <p:clrMapOvr>
     <a:masterClrMapping/>
   </p:clrMapOvr>
+  <mc:AlternateContent xmlns:mc="http://schemas.openxmlformats.org/markup-compatibility/2006" xmlns:p14="http://schemas.microsoft.com/office/powerpoint/2010/main">
+    <mc:Choice Requires="p14">
+      <p:transition spd="med" p14:dur="700">
+        <p:fade/>
+      </p:transition>
+    </mc:Choice>
+    <mc:Fallback xmlns="">
+      <p:transition spd="med">
+        <p:fade/>
+      </p:transition>
+    </mc:Fallback>
+  </mc:AlternateContent>
 </p:sldLayout>
 </file>
 
@@ -2740,6 +2862,18 @@
   <p:clrMapOvr>
     <a:masterClrMapping/>
   </p:clrMapOvr>
+  <mc:AlternateContent xmlns:mc="http://schemas.openxmlformats.org/markup-compatibility/2006" xmlns:p14="http://schemas.microsoft.com/office/powerpoint/2010/main">
+    <mc:Choice Requires="p14">
+      <p:transition spd="med" p14:dur="700">
+        <p:fade/>
+      </p:transition>
+    </mc:Choice>
+    <mc:Fallback xmlns="">
+      <p:transition spd="med">
+        <p:fade/>
+      </p:transition>
+    </mc:Fallback>
+  </mc:AlternateContent>
 </p:sldLayout>
 </file>
 
@@ -3037,6 +3171,18 @@
     <p:sldLayoutId id="2147483658" r:id="rId10"/>
     <p:sldLayoutId id="2147483659" r:id="rId11"/>
   </p:sldLayoutIdLst>
+  <mc:AlternateContent xmlns:mc="http://schemas.openxmlformats.org/markup-compatibility/2006" xmlns:p14="http://schemas.microsoft.com/office/powerpoint/2010/main">
+    <mc:Choice Requires="p14">
+      <p:transition spd="med" p14:dur="700">
+        <p:fade/>
+      </p:transition>
+    </mc:Choice>
+    <mc:Fallback xmlns="">
+      <p:transition spd="med">
+        <p:fade/>
+      </p:transition>
+    </mc:Fallback>
+  </mc:AlternateContent>
   <p:txStyles>
     <p:titleStyle>
       <a:lvl1pPr algn="l" defTabSz="914400" rtl="0" eaLnBrk="1" latinLnBrk="0" hangingPunct="1">
@@ -3455,6 +3601,18 @@
   <p:clrMapOvr>
     <a:masterClrMapping/>
   </p:clrMapOvr>
+  <mc:AlternateContent xmlns:mc="http://schemas.openxmlformats.org/markup-compatibility/2006" xmlns:p14="http://schemas.microsoft.com/office/powerpoint/2010/main">
+    <mc:Choice Requires="p14">
+      <p:transition spd="med" p14:dur="700">
+        <p:fade/>
+      </p:transition>
+    </mc:Choice>
+    <mc:Fallback xmlns="">
+      <p:transition spd="med">
+        <p:fade/>
+      </p:transition>
+    </mc:Fallback>
+  </mc:AlternateContent>
 </p:sld>
 </file>
 
@@ -3488,13 +3646,13 @@
             <a:spLocks noGrp="1"/>
           </p:cNvSpPr>
           <p:nvPr>
-            <p:ph type="title"/>
+            <p:ph type="ctrTitle"/>
           </p:nvPr>
         </p:nvSpPr>
         <p:spPr>
           <a:xfrm>
-            <a:off x="838200" y="109943"/>
-            <a:ext cx="10515600" cy="1325563"/>
+            <a:off x="1524000" y="1691757"/>
+            <a:ext cx="9144000" cy="1564205"/>
           </a:xfrm>
         </p:spPr>
         <p:txBody>
@@ -3515,26 +3673,52 @@
       </p:sp>
       <p:sp>
         <p:nvSpPr>
-          <p:cNvPr id="3" name="Espace réservé du contenu 2">
-            <a:extLst>
-              <a:ext uri="{FF2B5EF4-FFF2-40B4-BE49-F238E27FC236}">
-                <a16:creationId xmlns:a16="http://schemas.microsoft.com/office/drawing/2014/main" id="{609A57C3-290B-4350-8252-57A261511BBA}"/>
-              </a:ext>
-            </a:extLst>
-          </p:cNvPr>
-          <p:cNvSpPr>
-            <a:spLocks noGrp="1"/>
-          </p:cNvSpPr>
-          <p:nvPr>
-            <p:ph idx="1"/>
+          <p:cNvPr id="4" name="Sous-titre 3">
+            <a:extLst>
+              <a:ext uri="{FF2B5EF4-FFF2-40B4-BE49-F238E27FC236}">
+                <a16:creationId xmlns:a16="http://schemas.microsoft.com/office/drawing/2014/main" id="{CE236F6C-4B11-4563-B49D-ADB2AD3153CA}"/>
+              </a:ext>
+            </a:extLst>
+          </p:cNvPr>
+          <p:cNvSpPr>
+            <a:spLocks noGrp="1"/>
+          </p:cNvSpPr>
+          <p:nvPr>
+            <p:ph type="subTitle" idx="1"/>
           </p:nvPr>
         </p:nvSpPr>
         <p:spPr/>
         <p:txBody>
-          <a:bodyPr/>
+          <a:bodyPr>
+            <a:normAutofit/>
+          </a:bodyPr>
           <a:lstStyle/>
           <a:p>
             <a:endParaRPr lang="fr-FR" dirty="0"/>
+          </a:p>
+          <a:p>
+            <a:r>
+              <a:rPr lang="fr-FR" sz="3600" dirty="0">
+                <a:solidFill>
+                  <a:schemeClr val="bg1"/>
+                </a:solidFill>
+              </a:rPr>
+              <a:t>Démonstration de déplacement</a:t>
+            </a:r>
+          </a:p>
+          <a:p>
+            <a:endParaRPr lang="fr-FR" sz="3600" dirty="0">
+              <a:solidFill>
+                <a:schemeClr val="bg1"/>
+              </a:solidFill>
+            </a:endParaRPr>
+          </a:p>
+          <a:p>
+            <a:endParaRPr lang="fr-FR" sz="3600" dirty="0">
+              <a:solidFill>
+                <a:schemeClr val="bg1"/>
+              </a:solidFill>
+            </a:endParaRPr>
           </a:p>
         </p:txBody>
       </p:sp>
@@ -3548,6 +3732,18 @@
   <p:clrMapOvr>
     <a:masterClrMapping/>
   </p:clrMapOvr>
+  <mc:AlternateContent xmlns:mc="http://schemas.openxmlformats.org/markup-compatibility/2006" xmlns:p14="http://schemas.microsoft.com/office/powerpoint/2010/main">
+    <mc:Choice Requires="p14">
+      <p:transition spd="med" p14:dur="700">
+        <p:fade/>
+      </p:transition>
+    </mc:Choice>
+    <mc:Fallback xmlns="">
+      <p:transition spd="med">
+        <p:fade/>
+      </p:transition>
+    </mc:Fallback>
+  </mc:AlternateContent>
 </p:sld>
 </file>
 
@@ -3570,51 +3766,92 @@
       </p:grpSpPr>
       <p:sp>
         <p:nvSpPr>
-          <p:cNvPr id="2" name="Titre 1">
-            <a:extLst>
-              <a:ext uri="{FF2B5EF4-FFF2-40B4-BE49-F238E27FC236}">
-                <a16:creationId xmlns:a16="http://schemas.microsoft.com/office/drawing/2014/main" id="{D77AC022-7859-40FC-A391-8A4D16641BC1}"/>
-              </a:ext>
-            </a:extLst>
-          </p:cNvPr>
-          <p:cNvSpPr>
-            <a:spLocks noGrp="1"/>
-          </p:cNvSpPr>
-          <p:nvPr>
-            <p:ph type="title"/>
-          </p:nvPr>
-        </p:nvSpPr>
-        <p:spPr/>
-        <p:txBody>
-          <a:bodyPr/>
-          <a:lstStyle/>
-          <a:p>
-            <a:endParaRPr lang="fr-FR"/>
-          </a:p>
-        </p:txBody>
-      </p:sp>
-      <p:sp>
-        <p:nvSpPr>
-          <p:cNvPr id="3" name="Espace réservé du contenu 2">
-            <a:extLst>
-              <a:ext uri="{FF2B5EF4-FFF2-40B4-BE49-F238E27FC236}">
-                <a16:creationId xmlns:a16="http://schemas.microsoft.com/office/drawing/2014/main" id="{63A7804C-9D17-4D18-956C-DF2BB59471BE}"/>
-              </a:ext>
-            </a:extLst>
-          </p:cNvPr>
-          <p:cNvSpPr>
-            <a:spLocks noGrp="1"/>
-          </p:cNvSpPr>
-          <p:nvPr>
-            <p:ph idx="1"/>
-          </p:nvPr>
-        </p:nvSpPr>
-        <p:spPr/>
-        <p:txBody>
-          <a:bodyPr/>
-          <a:lstStyle/>
-          <a:p>
-            <a:endParaRPr lang="fr-FR"/>
+          <p:cNvPr id="4" name="Titre 3">
+            <a:extLst>
+              <a:ext uri="{FF2B5EF4-FFF2-40B4-BE49-F238E27FC236}">
+                <a16:creationId xmlns:a16="http://schemas.microsoft.com/office/drawing/2014/main" id="{5E81A5B8-14AB-4D2F-9E55-AF2DB459300F}"/>
+              </a:ext>
+            </a:extLst>
+          </p:cNvPr>
+          <p:cNvSpPr>
+            <a:spLocks noGrp="1"/>
+          </p:cNvSpPr>
+          <p:nvPr>
+            <p:ph type="ctrTitle"/>
+          </p:nvPr>
+        </p:nvSpPr>
+        <p:spPr>
+          <a:xfrm>
+            <a:off x="1524000" y="666343"/>
+            <a:ext cx="9144000" cy="2387600"/>
+          </a:xfrm>
+        </p:spPr>
+        <p:txBody>
+          <a:bodyPr/>
+          <a:lstStyle/>
+          <a:p>
+            <a:r>
+              <a:rPr lang="fr-FR" dirty="0">
+                <a:solidFill>
+                  <a:schemeClr val="bg1"/>
+                </a:solidFill>
+              </a:rPr>
+              <a:t>Communication </a:t>
+            </a:r>
+            <a:br>
+              <a:rPr lang="fr-FR" dirty="0">
+                <a:solidFill>
+                  <a:schemeClr val="bg1"/>
+                </a:solidFill>
+              </a:rPr>
+            </a:br>
+            <a:r>
+              <a:rPr lang="fr-FR" dirty="0">
+                <a:solidFill>
+                  <a:schemeClr val="bg1"/>
+                </a:solidFill>
+              </a:rPr>
+              <a:t>par ondes radio</a:t>
+            </a:r>
+          </a:p>
+        </p:txBody>
+      </p:sp>
+      <p:sp>
+        <p:nvSpPr>
+          <p:cNvPr id="5" name="Sous-titre 4">
+            <a:extLst>
+              <a:ext uri="{FF2B5EF4-FFF2-40B4-BE49-F238E27FC236}">
+                <a16:creationId xmlns:a16="http://schemas.microsoft.com/office/drawing/2014/main" id="{92EF7C24-CC5E-4795-95D8-630758223FCD}"/>
+              </a:ext>
+            </a:extLst>
+          </p:cNvPr>
+          <p:cNvSpPr>
+            <a:spLocks noGrp="1"/>
+          </p:cNvSpPr>
+          <p:nvPr>
+            <p:ph type="subTitle" idx="1"/>
+          </p:nvPr>
+        </p:nvSpPr>
+        <p:spPr>
+          <a:xfrm>
+            <a:off x="1524000" y="4059238"/>
+            <a:ext cx="9144000" cy="1655762"/>
+          </a:xfrm>
+        </p:spPr>
+        <p:txBody>
+          <a:bodyPr>
+            <a:normAutofit/>
+          </a:bodyPr>
+          <a:lstStyle/>
+          <a:p>
+            <a:r>
+              <a:rPr lang="fr-FR" sz="3200" b="0" dirty="0">
+                <a:solidFill>
+                  <a:schemeClr val="bg1"/>
+                </a:solidFill>
+              </a:rPr>
+              <a:t>Démonstration de communication entre deux cartes Arduino</a:t>
+            </a:r>
           </a:p>
         </p:txBody>
       </p:sp>
@@ -3628,6 +3865,176 @@
   <p:clrMapOvr>
     <a:masterClrMapping/>
   </p:clrMapOvr>
+  <mc:AlternateContent xmlns:mc="http://schemas.openxmlformats.org/markup-compatibility/2006" xmlns:p14="http://schemas.microsoft.com/office/powerpoint/2010/main">
+    <mc:Choice Requires="p14">
+      <p:transition spd="med" p14:dur="700">
+        <p:fade/>
+      </p:transition>
+    </mc:Choice>
+    <mc:Fallback xmlns="">
+      <p:transition spd="med">
+        <p:fade/>
+      </p:transition>
+    </mc:Fallback>
+  </mc:AlternateContent>
+</p:sld>
+</file>
+
+<file path=ppt/slides/slide4.xml><?xml version="1.0" encoding="utf-8"?>
+<p:sld xmlns:a="http://schemas.openxmlformats.org/drawingml/2006/main" xmlns:r="http://schemas.openxmlformats.org/officeDocument/2006/relationships" xmlns:p="http://schemas.openxmlformats.org/presentationml/2006/main">
+  <p:cSld>
+    <p:spTree>
+      <p:nvGrpSpPr>
+        <p:cNvPr id="1" name=""/>
+        <p:cNvGrpSpPr/>
+        <p:nvPr/>
+      </p:nvGrpSpPr>
+      <p:grpSpPr>
+        <a:xfrm>
+          <a:off x="0" y="0"/>
+          <a:ext cx="0" cy="0"/>
+          <a:chOff x="0" y="0"/>
+          <a:chExt cx="0" cy="0"/>
+        </a:xfrm>
+      </p:grpSpPr>
+      <p:sp>
+        <p:nvSpPr>
+          <p:cNvPr id="4" name="Titre 3">
+            <a:extLst>
+              <a:ext uri="{FF2B5EF4-FFF2-40B4-BE49-F238E27FC236}">
+                <a16:creationId xmlns:a16="http://schemas.microsoft.com/office/drawing/2014/main" id="{5D514D4B-0271-4037-96F8-2F1BC21E1463}"/>
+              </a:ext>
+            </a:extLst>
+          </p:cNvPr>
+          <p:cNvSpPr>
+            <a:spLocks noGrp="1"/>
+          </p:cNvSpPr>
+          <p:nvPr>
+            <p:ph type="ctrTitle"/>
+          </p:nvPr>
+        </p:nvSpPr>
+        <p:spPr>
+          <a:xfrm>
+            <a:off x="1524000" y="2558828"/>
+            <a:ext cx="9144000" cy="1298391"/>
+          </a:xfrm>
+        </p:spPr>
+        <p:txBody>
+          <a:bodyPr/>
+          <a:lstStyle/>
+          <a:p>
+            <a:r>
+              <a:rPr lang="fr-FR" dirty="0">
+                <a:solidFill>
+                  <a:schemeClr val="bg1"/>
+                </a:solidFill>
+              </a:rPr>
+              <a:t>Pathfinding</a:t>
+            </a:r>
+          </a:p>
+        </p:txBody>
+      </p:sp>
+    </p:spTree>
+    <p:extLst>
+      <p:ext uri="{BB962C8B-B14F-4D97-AF65-F5344CB8AC3E}">
+        <p14:creationId xmlns:p14="http://schemas.microsoft.com/office/powerpoint/2010/main" val="1265626406"/>
+      </p:ext>
+    </p:extLst>
+  </p:cSld>
+  <p:clrMapOvr>
+    <a:masterClrMapping/>
+  </p:clrMapOvr>
+  <mc:AlternateContent xmlns:mc="http://schemas.openxmlformats.org/markup-compatibility/2006" xmlns:p14="http://schemas.microsoft.com/office/powerpoint/2010/main">
+    <mc:Choice Requires="p14">
+      <p:transition spd="med" p14:dur="700">
+        <p:fade/>
+      </p:transition>
+    </mc:Choice>
+    <mc:Fallback xmlns="">
+      <p:transition spd="med">
+        <p:fade/>
+      </p:transition>
+    </mc:Fallback>
+  </mc:AlternateContent>
+</p:sld>
+</file>
+
+<file path=ppt/slides/slide5.xml><?xml version="1.0" encoding="utf-8"?>
+<p:sld xmlns:a="http://schemas.openxmlformats.org/drawingml/2006/main" xmlns:r="http://schemas.openxmlformats.org/officeDocument/2006/relationships" xmlns:p="http://schemas.openxmlformats.org/presentationml/2006/main">
+  <p:cSld>
+    <p:spTree>
+      <p:nvGrpSpPr>
+        <p:cNvPr id="1" name=""/>
+        <p:cNvGrpSpPr/>
+        <p:nvPr/>
+      </p:nvGrpSpPr>
+      <p:grpSpPr>
+        <a:xfrm>
+          <a:off x="0" y="0"/>
+          <a:ext cx="0" cy="0"/>
+          <a:chOff x="0" y="0"/>
+          <a:chExt cx="0" cy="0"/>
+        </a:xfrm>
+      </p:grpSpPr>
+      <p:sp>
+        <p:nvSpPr>
+          <p:cNvPr id="4" name="Titre 3">
+            <a:extLst>
+              <a:ext uri="{FF2B5EF4-FFF2-40B4-BE49-F238E27FC236}">
+                <a16:creationId xmlns:a16="http://schemas.microsoft.com/office/drawing/2014/main" id="{CDB97689-EDCB-4AC7-9E93-3016A0B7AF3D}"/>
+              </a:ext>
+            </a:extLst>
+          </p:cNvPr>
+          <p:cNvSpPr>
+            <a:spLocks noGrp="1"/>
+          </p:cNvSpPr>
+          <p:nvPr>
+            <p:ph type="ctrTitle"/>
+          </p:nvPr>
+        </p:nvSpPr>
+        <p:spPr>
+          <a:xfrm>
+            <a:off x="1524000" y="2912711"/>
+            <a:ext cx="9144000" cy="1032577"/>
+          </a:xfrm>
+        </p:spPr>
+        <p:txBody>
+          <a:bodyPr/>
+          <a:lstStyle/>
+          <a:p>
+            <a:r>
+              <a:rPr lang="fr-FR" dirty="0">
+                <a:solidFill>
+                  <a:schemeClr val="bg1"/>
+                </a:solidFill>
+              </a:rPr>
+              <a:t>Algorigrammes</a:t>
+            </a:r>
+          </a:p>
+        </p:txBody>
+      </p:sp>
+    </p:spTree>
+    <p:extLst>
+      <p:ext uri="{BB962C8B-B14F-4D97-AF65-F5344CB8AC3E}">
+        <p14:creationId xmlns:p14="http://schemas.microsoft.com/office/powerpoint/2010/main" val="2824714424"/>
+      </p:ext>
+    </p:extLst>
+  </p:cSld>
+  <p:clrMapOvr>
+    <a:masterClrMapping/>
+  </p:clrMapOvr>
+  <mc:AlternateContent xmlns:mc="http://schemas.openxmlformats.org/markup-compatibility/2006" xmlns:p14="http://schemas.microsoft.com/office/powerpoint/2010/main">
+    <mc:Choice Requires="p14">
+      <p:transition spd="med" p14:dur="700">
+        <p:fade/>
+      </p:transition>
+    </mc:Choice>
+    <mc:Fallback xmlns="">
+      <p:transition spd="med">
+        <p:fade/>
+      </p:transition>
+    </mc:Fallback>
+  </mc:AlternateContent>
 </p:sld>
 </file>
 
